--- a/유체역학실험/유체역학 실험 수식 정리.pptx
+++ b/유체역학실험/유체역학 실험 수식 정리.pptx
@@ -261,7 +261,7 @@
           <a:p>
             <a:fld id="{2D84E305-3D3B-47F4-B3A1-0500E1504C3E}" type="datetimeFigureOut">
               <a:rPr lang="ko-KR" altLang="en-US" smtClean="0"/>
-              <a:t>2023-10-04</a:t>
+              <a:t>2023-10-05</a:t>
             </a:fld>
             <a:endParaRPr lang="ko-KR" altLang="en-US"/>
           </a:p>
@@ -459,7 +459,7 @@
           <a:p>
             <a:fld id="{2D84E305-3D3B-47F4-B3A1-0500E1504C3E}" type="datetimeFigureOut">
               <a:rPr lang="ko-KR" altLang="en-US" smtClean="0"/>
-              <a:t>2023-10-04</a:t>
+              <a:t>2023-10-05</a:t>
             </a:fld>
             <a:endParaRPr lang="ko-KR" altLang="en-US"/>
           </a:p>
@@ -667,7 +667,7 @@
           <a:p>
             <a:fld id="{2D84E305-3D3B-47F4-B3A1-0500E1504C3E}" type="datetimeFigureOut">
               <a:rPr lang="ko-KR" altLang="en-US" smtClean="0"/>
-              <a:t>2023-10-04</a:t>
+              <a:t>2023-10-05</a:t>
             </a:fld>
             <a:endParaRPr lang="ko-KR" altLang="en-US"/>
           </a:p>
@@ -865,7 +865,7 @@
           <a:p>
             <a:fld id="{2D84E305-3D3B-47F4-B3A1-0500E1504C3E}" type="datetimeFigureOut">
               <a:rPr lang="ko-KR" altLang="en-US" smtClean="0"/>
-              <a:t>2023-10-04</a:t>
+              <a:t>2023-10-05</a:t>
             </a:fld>
             <a:endParaRPr lang="ko-KR" altLang="en-US"/>
           </a:p>
@@ -1140,7 +1140,7 @@
           <a:p>
             <a:fld id="{2D84E305-3D3B-47F4-B3A1-0500E1504C3E}" type="datetimeFigureOut">
               <a:rPr lang="ko-KR" altLang="en-US" smtClean="0"/>
-              <a:t>2023-10-04</a:t>
+              <a:t>2023-10-05</a:t>
             </a:fld>
             <a:endParaRPr lang="ko-KR" altLang="en-US"/>
           </a:p>
@@ -1405,7 +1405,7 @@
           <a:p>
             <a:fld id="{2D84E305-3D3B-47F4-B3A1-0500E1504C3E}" type="datetimeFigureOut">
               <a:rPr lang="ko-KR" altLang="en-US" smtClean="0"/>
-              <a:t>2023-10-04</a:t>
+              <a:t>2023-10-05</a:t>
             </a:fld>
             <a:endParaRPr lang="ko-KR" altLang="en-US"/>
           </a:p>
@@ -1817,7 +1817,7 @@
           <a:p>
             <a:fld id="{2D84E305-3D3B-47F4-B3A1-0500E1504C3E}" type="datetimeFigureOut">
               <a:rPr lang="ko-KR" altLang="en-US" smtClean="0"/>
-              <a:t>2023-10-04</a:t>
+              <a:t>2023-10-05</a:t>
             </a:fld>
             <a:endParaRPr lang="ko-KR" altLang="en-US"/>
           </a:p>
@@ -1958,7 +1958,7 @@
           <a:p>
             <a:fld id="{2D84E305-3D3B-47F4-B3A1-0500E1504C3E}" type="datetimeFigureOut">
               <a:rPr lang="ko-KR" altLang="en-US" smtClean="0"/>
-              <a:t>2023-10-04</a:t>
+              <a:t>2023-10-05</a:t>
             </a:fld>
             <a:endParaRPr lang="ko-KR" altLang="en-US"/>
           </a:p>
@@ -2071,7 +2071,7 @@
           <a:p>
             <a:fld id="{2D84E305-3D3B-47F4-B3A1-0500E1504C3E}" type="datetimeFigureOut">
               <a:rPr lang="ko-KR" altLang="en-US" smtClean="0"/>
-              <a:t>2023-10-04</a:t>
+              <a:t>2023-10-05</a:t>
             </a:fld>
             <a:endParaRPr lang="ko-KR" altLang="en-US"/>
           </a:p>
@@ -2382,7 +2382,7 @@
           <a:p>
             <a:fld id="{2D84E305-3D3B-47F4-B3A1-0500E1504C3E}" type="datetimeFigureOut">
               <a:rPr lang="ko-KR" altLang="en-US" smtClean="0"/>
-              <a:t>2023-10-04</a:t>
+              <a:t>2023-10-05</a:t>
             </a:fld>
             <a:endParaRPr lang="ko-KR" altLang="en-US"/>
           </a:p>
@@ -2670,7 +2670,7 @@
           <a:p>
             <a:fld id="{2D84E305-3D3B-47F4-B3A1-0500E1504C3E}" type="datetimeFigureOut">
               <a:rPr lang="ko-KR" altLang="en-US" smtClean="0"/>
-              <a:t>2023-10-04</a:t>
+              <a:t>2023-10-05</a:t>
             </a:fld>
             <a:endParaRPr lang="ko-KR" altLang="en-US"/>
           </a:p>
@@ -2911,7 +2911,7 @@
           <a:p>
             <a:fld id="{2D84E305-3D3B-47F4-B3A1-0500E1504C3E}" type="datetimeFigureOut">
               <a:rPr lang="ko-KR" altLang="en-US" smtClean="0"/>
-              <a:t>2023-10-04</a:t>
+              <a:t>2023-10-05</a:t>
             </a:fld>
             <a:endParaRPr lang="ko-KR" altLang="en-US"/>
           </a:p>
@@ -5943,8 +5943,8 @@
           </p:sp>
         </mc:Fallback>
       </mc:AlternateContent>
-      <mc:AlternateContent xmlns:mc="http://schemas.openxmlformats.org/markup-compatibility/2006" xmlns:a14="http://schemas.microsoft.com/office/drawing/2010/main">
-        <mc:Choice Requires="a14">
+      <mc:AlternateContent xmlns:mc="http://schemas.openxmlformats.org/markup-compatibility/2006">
+        <mc:Choice xmlns:a14="http://schemas.microsoft.com/office/drawing/2010/main" Requires="a14">
           <p:sp>
             <p:nvSpPr>
               <p:cNvPr id="41" name="TextBox 40">
@@ -5959,7 +5959,7 @@
             </p:nvSpPr>
             <p:spPr>
               <a:xfrm>
-                <a:off x="1345873" y="2983252"/>
+                <a:off x="9545842" y="1791189"/>
                 <a:ext cx="1974643" cy="587020"/>
               </a:xfrm>
               <a:prstGeom prst="rect">
@@ -6108,7 +6108,7 @@
             </p:txBody>
           </p:sp>
         </mc:Choice>
-        <mc:Fallback xmlns="">
+        <mc:Fallback>
           <p:sp>
             <p:nvSpPr>
               <p:cNvPr id="41" name="TextBox 40">
@@ -6125,7 +6125,7 @@
             </p:nvSpPr>
             <p:spPr>
               <a:xfrm>
-                <a:off x="1345873" y="2983252"/>
+                <a:off x="9545842" y="1791189"/>
                 <a:ext cx="1974643" cy="587020"/>
               </a:xfrm>
               <a:prstGeom prst="rect">
@@ -6169,7 +6169,7 @@
             </p:nvSpPr>
             <p:spPr>
               <a:xfrm>
-                <a:off x="713713" y="1131235"/>
+                <a:off x="330891" y="5932598"/>
                 <a:ext cx="3283528" cy="276999"/>
               </a:xfrm>
               <a:prstGeom prst="rect">
@@ -6285,7 +6285,7 @@
             </p:nvSpPr>
             <p:spPr>
               <a:xfrm>
-                <a:off x="713713" y="1131235"/>
+                <a:off x="330891" y="5932598"/>
                 <a:ext cx="3283528" cy="276999"/>
               </a:xfrm>
               <a:prstGeom prst="rect">
@@ -6294,7 +6294,7 @@
               <a:blipFill>
                 <a:blip r:embed="rId12"/>
                 <a:stretch>
-                  <a:fillRect l="-2412" t="-28889" b="-51111"/>
+                  <a:fillRect l="-2412" t="-28261" b="-50000"/>
                 </a:stretch>
               </a:blipFill>
             </p:spPr>
@@ -6329,7 +6329,7 @@
             </p:nvSpPr>
             <p:spPr>
               <a:xfrm>
-                <a:off x="533394" y="1838274"/>
+                <a:off x="437789" y="3338564"/>
                 <a:ext cx="2482154" cy="276999"/>
               </a:xfrm>
               <a:prstGeom prst="rect">
@@ -6343,6 +6343,7 @@
               </a:bodyPr>
               <a:lstStyle/>
               <a:p>
+                <a:pPr/>
                 <a14:m>
                   <m:oMathPara xmlns:m="http://schemas.openxmlformats.org/officeDocument/2006/math">
                     <m:oMathParaPr>
@@ -6423,7 +6424,7 @@
             </p:nvSpPr>
             <p:spPr>
               <a:xfrm>
-                <a:off x="533394" y="1838274"/>
+                <a:off x="437789" y="3338564"/>
                 <a:ext cx="2482154" cy="276999"/>
               </a:xfrm>
               <a:prstGeom prst="rect">
@@ -6432,7 +6433,567 @@
               <a:blipFill>
                 <a:blip r:embed="rId13"/>
                 <a:stretch>
-                  <a:fillRect l="-245" r="-1225" b="-40000"/>
+                  <a:fillRect l="-246" r="-1474" b="-40000"/>
+                </a:stretch>
+              </a:blipFill>
+            </p:spPr>
+            <p:txBody>
+              <a:bodyPr/>
+              <a:lstStyle/>
+              <a:p>
+                <a:r>
+                  <a:rPr lang="ko-KR" altLang="en-US">
+                    <a:noFill/>
+                  </a:rPr>
+                  <a:t> </a:t>
+                </a:r>
+              </a:p>
+            </p:txBody>
+          </p:sp>
+        </mc:Fallback>
+      </mc:AlternateContent>
+      <mc:AlternateContent xmlns:mc="http://schemas.openxmlformats.org/markup-compatibility/2006">
+        <mc:Choice xmlns:a14="http://schemas.microsoft.com/office/drawing/2010/main" Requires="a14">
+          <p:sp>
+            <p:nvSpPr>
+              <p:cNvPr id="2" name="TextBox 1">
+                <a:extLst>
+                  <a:ext uri="{FF2B5EF4-FFF2-40B4-BE49-F238E27FC236}">
+                    <a16:creationId xmlns:a16="http://schemas.microsoft.com/office/drawing/2014/main" id="{67695B5B-6F7A-730C-DDD3-5C1BA21309F0}"/>
+                  </a:ext>
+                </a:extLst>
+              </p:cNvPr>
+              <p:cNvSpPr txBox="1"/>
+              <p:nvPr/>
+            </p:nvSpPr>
+            <p:spPr>
+              <a:xfrm>
+                <a:off x="927262" y="4170198"/>
+                <a:ext cx="1824282" cy="320537"/>
+              </a:xfrm>
+              <a:prstGeom prst="rect">
+                <a:avLst/>
+              </a:prstGeom>
+              <a:noFill/>
+            </p:spPr>
+            <p:txBody>
+              <a:bodyPr wrap="none" lIns="0" tIns="0" rIns="0" bIns="0" rtlCol="0">
+                <a:spAutoFit/>
+              </a:bodyPr>
+              <a:lstStyle/>
+              <a:p>
+                <a:pPr/>
+                <a14:m>
+                  <m:oMathPara xmlns:m="http://schemas.openxmlformats.org/officeDocument/2006/math">
+                    <m:oMathParaPr>
+                      <m:jc m:val="centerGroup"/>
+                    </m:oMathParaPr>
+                    <m:oMath xmlns:m="http://schemas.openxmlformats.org/officeDocument/2006/math">
+                      <m:sSub>
+                        <m:sSubPr>
+                          <m:ctrlPr>
+                            <a:rPr lang="en-US" altLang="ko-KR" i="1" smtClean="0">
+                              <a:latin typeface="Cambria Math" panose="02040503050406030204" pitchFamily="18" charset="0"/>
+                            </a:rPr>
+                          </m:ctrlPr>
+                        </m:sSubPr>
+                        <m:e>
+                          <m:r>
+                            <a:rPr lang="en-US" altLang="ko-KR" i="1">
+                              <a:latin typeface="Cambria Math" panose="02040503050406030204" pitchFamily="18" charset="0"/>
+                            </a:rPr>
+                            <m:t>𝐾</m:t>
+                          </m:r>
+                        </m:e>
+                        <m:sub>
+                          <m:r>
+                            <a:rPr lang="en-US" altLang="ko-KR" i="1">
+                              <a:latin typeface="Cambria Math" panose="02040503050406030204" pitchFamily="18" charset="0"/>
+                            </a:rPr>
+                            <m:t>0</m:t>
+                          </m:r>
+                        </m:sub>
+                      </m:sSub>
+                      <m:r>
+                        <a:rPr lang="en-US" altLang="ko-KR" b="0" i="0" smtClean="0">
+                          <a:latin typeface="Cambria Math" panose="02040503050406030204" pitchFamily="18" charset="0"/>
+                        </a:rPr>
+                        <m:t>=</m:t>
+                      </m:r>
+                      <m:r>
+                        <a:rPr lang="en-US" altLang="ko-KR" b="0" i="1" smtClean="0">
+                          <a:latin typeface="Cambria Math" panose="02040503050406030204" pitchFamily="18" charset="0"/>
+                        </a:rPr>
+                        <m:t>𝑓</m:t>
+                      </m:r>
+                      <m:d>
+                        <m:dPr>
+                          <m:ctrlPr>
+                            <a:rPr lang="en-US" altLang="ko-KR" b="0" i="1" smtClean="0">
+                              <a:latin typeface="Cambria Math" panose="02040503050406030204" pitchFamily="18" charset="0"/>
+                            </a:rPr>
+                          </m:ctrlPr>
+                        </m:dPr>
+                        <m:e>
+                          <m:sSub>
+                            <m:sSubPr>
+                              <m:ctrlPr>
+                                <a:rPr lang="en-US" altLang="ko-KR" b="0" i="1" smtClean="0">
+                                  <a:latin typeface="Cambria Math" panose="02040503050406030204" pitchFamily="18" charset="0"/>
+                                </a:rPr>
+                              </m:ctrlPr>
+                            </m:sSubPr>
+                            <m:e>
+                              <m:r>
+                                <m:rPr>
+                                  <m:sty m:val="p"/>
+                                </m:rPr>
+                                <a:rPr lang="en-US" altLang="ko-KR" b="0" i="0" smtClean="0">
+                                  <a:latin typeface="Cambria Math" panose="02040503050406030204" pitchFamily="18" charset="0"/>
+                                </a:rPr>
+                                <m:t>Re</m:t>
+                              </m:r>
+                            </m:e>
+                            <m:sub>
+                              <m:sSub>
+                                <m:sSubPr>
+                                  <m:ctrlPr>
+                                    <a:rPr lang="en-US" altLang="ko-KR" b="0" i="1" smtClean="0">
+                                      <a:latin typeface="Cambria Math" panose="02040503050406030204" pitchFamily="18" charset="0"/>
+                                    </a:rPr>
+                                  </m:ctrlPr>
+                                </m:sSubPr>
+                                <m:e>
+                                  <m:r>
+                                    <a:rPr lang="en-US" altLang="ko-KR" b="0" i="1" smtClean="0">
+                                      <a:latin typeface="Cambria Math" panose="02040503050406030204" pitchFamily="18" charset="0"/>
+                                    </a:rPr>
+                                    <m:t>𝐷</m:t>
+                                  </m:r>
+                                </m:e>
+                                <m:sub>
+                                  <m:r>
+                                    <a:rPr lang="en-US" altLang="ko-KR" b="0" i="1" smtClean="0">
+                                      <a:latin typeface="Cambria Math" panose="02040503050406030204" pitchFamily="18" charset="0"/>
+                                    </a:rPr>
+                                    <m:t>1</m:t>
+                                  </m:r>
+                                </m:sub>
+                              </m:sSub>
+                            </m:sub>
+                          </m:sSub>
+                          <m:r>
+                            <a:rPr lang="en-US" altLang="ko-KR" b="0" i="1" smtClean="0">
+                              <a:latin typeface="Cambria Math" panose="02040503050406030204" pitchFamily="18" charset="0"/>
+                            </a:rPr>
+                            <m:t>,</m:t>
+                          </m:r>
+                          <m:r>
+                            <a:rPr lang="en-US" altLang="ko-KR" b="0" i="1" smtClean="0">
+                              <a:latin typeface="Cambria Math" panose="02040503050406030204" pitchFamily="18" charset="0"/>
+                            </a:rPr>
+                            <m:t>𝑚</m:t>
+                          </m:r>
+                          <m:r>
+                            <a:rPr lang="en-US" altLang="ko-KR" b="0" i="1" smtClean="0">
+                              <a:latin typeface="Cambria Math" panose="02040503050406030204" pitchFamily="18" charset="0"/>
+                            </a:rPr>
+                            <m:t> </m:t>
+                          </m:r>
+                        </m:e>
+                      </m:d>
+                      <m:r>
+                        <a:rPr lang="en-US" altLang="ko-KR" b="0" i="0" smtClean="0">
+                          <a:latin typeface="Cambria Math" panose="02040503050406030204" pitchFamily="18" charset="0"/>
+                        </a:rPr>
+                        <m:t> </m:t>
+                      </m:r>
+                    </m:oMath>
+                  </m:oMathPara>
+                </a14:m>
+                <a:endParaRPr lang="ko-KR" altLang="en-US" dirty="0"/>
+              </a:p>
+            </p:txBody>
+          </p:sp>
+        </mc:Choice>
+        <mc:Fallback>
+          <p:sp>
+            <p:nvSpPr>
+              <p:cNvPr id="2" name="TextBox 1">
+                <a:extLst>
+                  <a:ext uri="{FF2B5EF4-FFF2-40B4-BE49-F238E27FC236}">
+                    <a16:creationId xmlns:a16="http://schemas.microsoft.com/office/drawing/2014/main" id="{67695B5B-6F7A-730C-DDD3-5C1BA21309F0}"/>
+                  </a:ext>
+                </a:extLst>
+              </p:cNvPr>
+              <p:cNvSpPr txBox="1">
+                <a:spLocks noRot="1" noChangeAspect="1" noMove="1" noResize="1" noEditPoints="1" noAdjustHandles="1" noChangeArrowheads="1" noChangeShapeType="1" noTextEdit="1"/>
+              </p:cNvSpPr>
+              <p:nvPr/>
+            </p:nvSpPr>
+            <p:spPr>
+              <a:xfrm>
+                <a:off x="927262" y="4170198"/>
+                <a:ext cx="1824282" cy="320537"/>
+              </a:xfrm>
+              <a:prstGeom prst="rect">
+                <a:avLst/>
+              </a:prstGeom>
+              <a:blipFill>
+                <a:blip r:embed="rId14"/>
+                <a:stretch>
+                  <a:fillRect l="-1672" b="-22642"/>
+                </a:stretch>
+              </a:blipFill>
+            </p:spPr>
+            <p:txBody>
+              <a:bodyPr/>
+              <a:lstStyle/>
+              <a:p>
+                <a:r>
+                  <a:rPr lang="ko-KR" altLang="en-US">
+                    <a:noFill/>
+                  </a:rPr>
+                  <a:t> </a:t>
+                </a:r>
+              </a:p>
+            </p:txBody>
+          </p:sp>
+        </mc:Fallback>
+      </mc:AlternateContent>
+      <mc:AlternateContent xmlns:mc="http://schemas.openxmlformats.org/markup-compatibility/2006">
+        <mc:Choice xmlns:a14="http://schemas.microsoft.com/office/drawing/2010/main" Requires="a14">
+          <p:sp>
+            <p:nvSpPr>
+              <p:cNvPr id="3" name="TextBox 2">
+                <a:extLst>
+                  <a:ext uri="{FF2B5EF4-FFF2-40B4-BE49-F238E27FC236}">
+                    <a16:creationId xmlns:a16="http://schemas.microsoft.com/office/drawing/2014/main" id="{BC8CD804-A20D-E2EA-63BF-DB3DBEC34E64}"/>
+                  </a:ext>
+                </a:extLst>
+              </p:cNvPr>
+              <p:cNvSpPr txBox="1"/>
+              <p:nvPr/>
+            </p:nvSpPr>
+            <p:spPr>
+              <a:xfrm>
+                <a:off x="348311" y="4742728"/>
+                <a:ext cx="2852319" cy="314830"/>
+              </a:xfrm>
+              <a:prstGeom prst="rect">
+                <a:avLst/>
+              </a:prstGeom>
+              <a:noFill/>
+            </p:spPr>
+            <p:txBody>
+              <a:bodyPr wrap="none" lIns="0" tIns="0" rIns="0" bIns="0" rtlCol="0">
+                <a:spAutoFit/>
+              </a:bodyPr>
+              <a:lstStyle/>
+              <a:p>
+                <a:pPr/>
+                <a14:m>
+                  <m:oMathPara xmlns:m="http://schemas.openxmlformats.org/officeDocument/2006/math">
+                    <m:oMathParaPr>
+                      <m:jc m:val="centerGroup"/>
+                    </m:oMathParaPr>
+                    <m:oMath xmlns:m="http://schemas.openxmlformats.org/officeDocument/2006/math">
+                      <m:sSub>
+                        <m:sSubPr>
+                          <m:ctrlPr>
+                            <a:rPr lang="en-US" altLang="ko-KR" i="1" smtClean="0">
+                              <a:latin typeface="Cambria Math" panose="02040503050406030204" pitchFamily="18" charset="0"/>
+                            </a:rPr>
+                          </m:ctrlPr>
+                        </m:sSubPr>
+                        <m:e>
+                          <m:r>
+                            <m:rPr>
+                              <m:sty m:val="p"/>
+                            </m:rPr>
+                            <a:rPr lang="en-US" altLang="ko-KR">
+                              <a:latin typeface="Cambria Math" panose="02040503050406030204" pitchFamily="18" charset="0"/>
+                            </a:rPr>
+                            <m:t>Re</m:t>
+                          </m:r>
+                        </m:e>
+                        <m:sub>
+                          <m:r>
+                            <a:rPr lang="en-US" altLang="ko-KR" b="0" i="1" smtClean="0">
+                              <a:latin typeface="Cambria Math" panose="02040503050406030204" pitchFamily="18" charset="0"/>
+                            </a:rPr>
+                            <m:t>𝑇</m:t>
+                          </m:r>
+                        </m:sub>
+                      </m:sSub>
+                      <m:r>
+                        <a:rPr lang="en-US" altLang="ko-KR" b="0" i="0" smtClean="0">
+                          <a:latin typeface="Cambria Math" panose="02040503050406030204" pitchFamily="18" charset="0"/>
+                        </a:rPr>
+                        <m:t>=</m:t>
+                      </m:r>
+                      <m:sSup>
+                        <m:sSupPr>
+                          <m:ctrlPr>
+                            <a:rPr lang="en-US" altLang="ko-KR" b="0" i="1" smtClean="0">
+                              <a:latin typeface="Cambria Math" panose="02040503050406030204" pitchFamily="18" charset="0"/>
+                            </a:rPr>
+                          </m:ctrlPr>
+                        </m:sSupPr>
+                        <m:e>
+                          <m:r>
+                            <a:rPr lang="en-US" altLang="ko-KR" b="0" i="1" smtClean="0">
+                              <a:latin typeface="Cambria Math" panose="02040503050406030204" pitchFamily="18" charset="0"/>
+                            </a:rPr>
+                            <m:t>10</m:t>
+                          </m:r>
+                        </m:e>
+                        <m:sup>
+                          <m:r>
+                            <a:rPr lang="en-US" altLang="ko-KR" b="0" i="1" smtClean="0">
+                              <a:latin typeface="Cambria Math" panose="02040503050406030204" pitchFamily="18" charset="0"/>
+                            </a:rPr>
+                            <m:t>4185+2831</m:t>
+                          </m:r>
+                          <m:r>
+                            <a:rPr lang="en-US" altLang="ko-KR" b="0" i="1" smtClean="0">
+                              <a:latin typeface="Cambria Math" panose="02040503050406030204" pitchFamily="18" charset="0"/>
+                            </a:rPr>
+                            <m:t>𝑚</m:t>
+                          </m:r>
+                          <m:r>
+                            <a:rPr lang="en-US" altLang="ko-KR" b="0" i="1" smtClean="0">
+                              <a:latin typeface="Cambria Math" panose="02040503050406030204" pitchFamily="18" charset="0"/>
+                            </a:rPr>
+                            <m:t>−1438</m:t>
+                          </m:r>
+                          <m:sSup>
+                            <m:sSupPr>
+                              <m:ctrlPr>
+                                <a:rPr lang="en-US" altLang="ko-KR" b="0" i="1" smtClean="0">
+                                  <a:latin typeface="Cambria Math" panose="02040503050406030204" pitchFamily="18" charset="0"/>
+                                </a:rPr>
+                              </m:ctrlPr>
+                            </m:sSupPr>
+                            <m:e>
+                              <m:r>
+                                <a:rPr lang="en-US" altLang="ko-KR" b="0" i="1" smtClean="0">
+                                  <a:latin typeface="Cambria Math" panose="02040503050406030204" pitchFamily="18" charset="0"/>
+                                </a:rPr>
+                                <m:t>𝑚</m:t>
+                              </m:r>
+                            </m:e>
+                            <m:sup>
+                              <m:r>
+                                <a:rPr lang="en-US" altLang="ko-KR" b="0" i="1" smtClean="0">
+                                  <a:latin typeface="Cambria Math" panose="02040503050406030204" pitchFamily="18" charset="0"/>
+                                </a:rPr>
+                                <m:t>2</m:t>
+                              </m:r>
+                            </m:sup>
+                          </m:sSup>
+                        </m:sup>
+                      </m:sSup>
+                    </m:oMath>
+                  </m:oMathPara>
+                </a14:m>
+                <a:endParaRPr lang="ko-KR" altLang="en-US" dirty="0"/>
+              </a:p>
+            </p:txBody>
+          </p:sp>
+        </mc:Choice>
+        <mc:Fallback>
+          <p:sp>
+            <p:nvSpPr>
+              <p:cNvPr id="3" name="TextBox 2">
+                <a:extLst>
+                  <a:ext uri="{FF2B5EF4-FFF2-40B4-BE49-F238E27FC236}">
+                    <a16:creationId xmlns:a16="http://schemas.microsoft.com/office/drawing/2014/main" id="{BC8CD804-A20D-E2EA-63BF-DB3DBEC34E64}"/>
+                  </a:ext>
+                </a:extLst>
+              </p:cNvPr>
+              <p:cNvSpPr txBox="1">
+                <a:spLocks noRot="1" noChangeAspect="1" noMove="1" noResize="1" noEditPoints="1" noAdjustHandles="1" noChangeArrowheads="1" noChangeShapeType="1" noTextEdit="1"/>
+              </p:cNvSpPr>
+              <p:nvPr/>
+            </p:nvSpPr>
+            <p:spPr>
+              <a:xfrm>
+                <a:off x="348311" y="4742728"/>
+                <a:ext cx="2852319" cy="314830"/>
+              </a:xfrm>
+              <a:prstGeom prst="rect">
+                <a:avLst/>
+              </a:prstGeom>
+              <a:blipFill>
+                <a:blip r:embed="rId15"/>
+                <a:stretch>
+                  <a:fillRect l="-1068" b="-17308"/>
+                </a:stretch>
+              </a:blipFill>
+            </p:spPr>
+            <p:txBody>
+              <a:bodyPr/>
+              <a:lstStyle/>
+              <a:p>
+                <a:r>
+                  <a:rPr lang="ko-KR" altLang="en-US">
+                    <a:noFill/>
+                  </a:rPr>
+                  <a:t> </a:t>
+                </a:r>
+              </a:p>
+            </p:txBody>
+          </p:sp>
+        </mc:Fallback>
+      </mc:AlternateContent>
+      <mc:AlternateContent xmlns:mc="http://schemas.openxmlformats.org/markup-compatibility/2006">
+        <mc:Choice xmlns:a14="http://schemas.microsoft.com/office/drawing/2010/main" Requires="a14">
+          <p:sp>
+            <p:nvSpPr>
+              <p:cNvPr id="11" name="TextBox 10">
+                <a:extLst>
+                  <a:ext uri="{FF2B5EF4-FFF2-40B4-BE49-F238E27FC236}">
+                    <a16:creationId xmlns:a16="http://schemas.microsoft.com/office/drawing/2014/main" id="{2D60B1E1-4211-04B4-A542-33950FBC042D}"/>
+                  </a:ext>
+                </a:extLst>
+              </p:cNvPr>
+              <p:cNvSpPr txBox="1"/>
+              <p:nvPr/>
+            </p:nvSpPr>
+            <p:spPr>
+              <a:xfrm>
+                <a:off x="810015" y="5240536"/>
+                <a:ext cx="1376531" cy="276999"/>
+              </a:xfrm>
+              <a:prstGeom prst="rect">
+                <a:avLst/>
+              </a:prstGeom>
+              <a:noFill/>
+            </p:spPr>
+            <p:txBody>
+              <a:bodyPr wrap="none" lIns="0" tIns="0" rIns="0" bIns="0" rtlCol="0">
+                <a:spAutoFit/>
+              </a:bodyPr>
+              <a:lstStyle/>
+              <a:p>
+                <a14:m>
+                  <m:oMathPara xmlns:m="http://schemas.openxmlformats.org/officeDocument/2006/math">
+                    <m:oMathParaPr>
+                      <m:jc m:val="centerGroup"/>
+                    </m:oMathParaPr>
+                    <m:oMath xmlns:m="http://schemas.openxmlformats.org/officeDocument/2006/math">
+                      <m:d>
+                        <m:dPr>
+                          <m:ctrlPr>
+                            <a:rPr lang="en-US" altLang="ko-KR" i="1" smtClean="0">
+                              <a:latin typeface="Cambria Math" panose="02040503050406030204" pitchFamily="18" charset="0"/>
+                            </a:rPr>
+                          </m:ctrlPr>
+                        </m:dPr>
+                        <m:e>
+                          <m:sSub>
+                            <m:sSubPr>
+                              <m:ctrlPr>
+                                <a:rPr lang="en-US" altLang="ko-KR" i="1">
+                                  <a:latin typeface="Cambria Math" panose="02040503050406030204" pitchFamily="18" charset="0"/>
+                                </a:rPr>
+                              </m:ctrlPr>
+                            </m:sSubPr>
+                            <m:e>
+                              <m:r>
+                                <m:rPr>
+                                  <m:sty m:val="p"/>
+                                </m:rPr>
+                                <a:rPr lang="en-US" altLang="ko-KR">
+                                  <a:latin typeface="Cambria Math" panose="02040503050406030204" pitchFamily="18" charset="0"/>
+                                </a:rPr>
+                                <m:t>Re</m:t>
+                              </m:r>
+                            </m:e>
+                            <m:sub>
+                              <m:r>
+                                <m:rPr>
+                                  <m:sty m:val="p"/>
+                                </m:rPr>
+                                <a:rPr lang="en-US" altLang="ko-KR" i="1">
+                                  <a:latin typeface="Cambria Math" panose="02040503050406030204" pitchFamily="18" charset="0"/>
+                                </a:rPr>
+                                <m:t>D</m:t>
+                              </m:r>
+                            </m:sub>
+                          </m:sSub>
+                          <m:r>
+                            <a:rPr lang="en-US" altLang="ko-KR">
+                              <a:latin typeface="Cambria Math" panose="02040503050406030204" pitchFamily="18" charset="0"/>
+                            </a:rPr>
+                            <m:t>≥</m:t>
+                          </m:r>
+                          <m:sSub>
+                            <m:sSubPr>
+                              <m:ctrlPr>
+                                <a:rPr lang="en-US" altLang="ko-KR" i="1">
+                                  <a:latin typeface="Cambria Math" panose="02040503050406030204" pitchFamily="18" charset="0"/>
+                                </a:rPr>
+                              </m:ctrlPr>
+                            </m:sSubPr>
+                            <m:e>
+                              <m:r>
+                                <m:rPr>
+                                  <m:sty m:val="p"/>
+                                </m:rPr>
+                                <a:rPr lang="en-US" altLang="ko-KR">
+                                  <a:latin typeface="Cambria Math" panose="02040503050406030204" pitchFamily="18" charset="0"/>
+                                </a:rPr>
+                                <m:t>Re</m:t>
+                              </m:r>
+                            </m:e>
+                            <m:sub>
+                              <m:r>
+                                <a:rPr lang="en-US" altLang="ko-KR" i="1">
+                                  <a:latin typeface="Cambria Math" panose="02040503050406030204" pitchFamily="18" charset="0"/>
+                                </a:rPr>
+                                <m:t>𝑇</m:t>
+                              </m:r>
+                            </m:sub>
+                          </m:sSub>
+                        </m:e>
+                      </m:d>
+                    </m:oMath>
+                  </m:oMathPara>
+                </a14:m>
+                <a:endParaRPr lang="ko-KR" altLang="en-US" dirty="0"/>
+              </a:p>
+            </p:txBody>
+          </p:sp>
+        </mc:Choice>
+        <mc:Fallback>
+          <p:sp>
+            <p:nvSpPr>
+              <p:cNvPr id="11" name="TextBox 10">
+                <a:extLst>
+                  <a:ext uri="{FF2B5EF4-FFF2-40B4-BE49-F238E27FC236}">
+                    <a16:creationId xmlns:a16="http://schemas.microsoft.com/office/drawing/2014/main" id="{2D60B1E1-4211-04B4-A542-33950FBC042D}"/>
+                  </a:ext>
+                </a:extLst>
+              </p:cNvPr>
+              <p:cNvSpPr txBox="1">
+                <a:spLocks noRot="1" noChangeAspect="1" noMove="1" noResize="1" noEditPoints="1" noAdjustHandles="1" noChangeArrowheads="1" noChangeShapeType="1" noTextEdit="1"/>
+              </p:cNvSpPr>
+              <p:nvPr/>
+            </p:nvSpPr>
+            <p:spPr>
+              <a:xfrm>
+                <a:off x="810015" y="5240536"/>
+                <a:ext cx="1376531" cy="276999"/>
+              </a:xfrm>
+              <a:prstGeom prst="rect">
+                <a:avLst/>
+              </a:prstGeom>
+              <a:blipFill>
+                <a:blip r:embed="rId16"/>
+                <a:stretch>
+                  <a:fillRect b="-22222"/>
                 </a:stretch>
               </a:blipFill>
             </p:spPr>
@@ -8297,8 +8858,8 @@
           </p:sp>
         </mc:Fallback>
       </mc:AlternateContent>
-      <mc:AlternateContent xmlns:mc="http://schemas.openxmlformats.org/markup-compatibility/2006">
-        <mc:Choice xmlns:a14="http://schemas.microsoft.com/office/drawing/2010/main" Requires="a14">
+      <mc:AlternateContent xmlns:mc="http://schemas.openxmlformats.org/markup-compatibility/2006" xmlns:a14="http://schemas.microsoft.com/office/drawing/2010/main">
+        <mc:Choice Requires="a14">
           <p:sp>
             <p:nvSpPr>
               <p:cNvPr id="2" name="TextBox 1">
@@ -8467,7 +9028,7 @@
             </p:txBody>
           </p:sp>
         </mc:Choice>
-        <mc:Fallback>
+        <mc:Fallback xmlns="">
           <p:sp>
             <p:nvSpPr>
               <p:cNvPr id="2" name="TextBox 1">
@@ -8512,8 +9073,8 @@
           </p:sp>
         </mc:Fallback>
       </mc:AlternateContent>
-      <mc:AlternateContent xmlns:mc="http://schemas.openxmlformats.org/markup-compatibility/2006">
-        <mc:Choice xmlns:a14="http://schemas.microsoft.com/office/drawing/2010/main" Requires="a14">
+      <mc:AlternateContent xmlns:mc="http://schemas.openxmlformats.org/markup-compatibility/2006" xmlns:a14="http://schemas.microsoft.com/office/drawing/2010/main">
+        <mc:Choice Requires="a14">
           <p:sp>
             <p:nvSpPr>
               <p:cNvPr id="3" name="TextBox 2">
@@ -8712,7 +9273,7 @@
             </p:txBody>
           </p:sp>
         </mc:Choice>
-        <mc:Fallback>
+        <mc:Fallback xmlns="">
           <p:sp>
             <p:nvSpPr>
               <p:cNvPr id="3" name="TextBox 2">
@@ -10878,8 +11439,8 @@
             </a:fontRef>
           </p:style>
         </p:cxnSp>
-        <mc:AlternateContent xmlns:mc="http://schemas.openxmlformats.org/markup-compatibility/2006">
-          <mc:Choice xmlns:a14="http://schemas.microsoft.com/office/drawing/2010/main" Requires="a14">
+        <mc:AlternateContent xmlns:mc="http://schemas.openxmlformats.org/markup-compatibility/2006" xmlns:a14="http://schemas.microsoft.com/office/drawing/2010/main">
+          <mc:Choice Requires="a14">
             <p:sp>
               <p:nvSpPr>
                 <p:cNvPr id="29" name="TextBox 28">
@@ -10951,7 +11512,7 @@
               </p:txBody>
             </p:sp>
           </mc:Choice>
-          <mc:Fallback>
+          <mc:Fallback xmlns="">
             <p:sp>
               <p:nvSpPr>
                 <p:cNvPr id="29" name="TextBox 28">
@@ -10996,8 +11557,8 @@
             </p:sp>
           </mc:Fallback>
         </mc:AlternateContent>
-        <mc:AlternateContent xmlns:mc="http://schemas.openxmlformats.org/markup-compatibility/2006">
-          <mc:Choice xmlns:a14="http://schemas.microsoft.com/office/drawing/2010/main" Requires="a14">
+        <mc:AlternateContent xmlns:mc="http://schemas.openxmlformats.org/markup-compatibility/2006" xmlns:a14="http://schemas.microsoft.com/office/drawing/2010/main">
+          <mc:Choice Requires="a14">
             <p:sp>
               <p:nvSpPr>
                 <p:cNvPr id="30" name="TextBox 29">
@@ -11069,7 +11630,7 @@
               </p:txBody>
             </p:sp>
           </mc:Choice>
-          <mc:Fallback>
+          <mc:Fallback xmlns="">
             <p:sp>
               <p:nvSpPr>
                 <p:cNvPr id="30" name="TextBox 29">
@@ -11114,8 +11675,8 @@
             </p:sp>
           </mc:Fallback>
         </mc:AlternateContent>
-        <mc:AlternateContent xmlns:mc="http://schemas.openxmlformats.org/markup-compatibility/2006">
-          <mc:Choice xmlns:a14="http://schemas.microsoft.com/office/drawing/2010/main" Requires="a14">
+        <mc:AlternateContent xmlns:mc="http://schemas.openxmlformats.org/markup-compatibility/2006" xmlns:a14="http://schemas.microsoft.com/office/drawing/2010/main">
+          <mc:Choice Requires="a14">
             <p:sp>
               <p:nvSpPr>
                 <p:cNvPr id="31" name="TextBox 30">
@@ -11187,7 +11748,7 @@
               </p:txBody>
             </p:sp>
           </mc:Choice>
-          <mc:Fallback>
+          <mc:Fallback xmlns="">
             <p:sp>
               <p:nvSpPr>
                 <p:cNvPr id="31" name="TextBox 30">
@@ -11232,8 +11793,8 @@
             </p:sp>
           </mc:Fallback>
         </mc:AlternateContent>
-        <mc:AlternateContent xmlns:mc="http://schemas.openxmlformats.org/markup-compatibility/2006">
-          <mc:Choice xmlns:a14="http://schemas.microsoft.com/office/drawing/2010/main" Requires="a14">
+        <mc:AlternateContent xmlns:mc="http://schemas.openxmlformats.org/markup-compatibility/2006" xmlns:a14="http://schemas.microsoft.com/office/drawing/2010/main">
+          <mc:Choice Requires="a14">
             <p:sp>
               <p:nvSpPr>
                 <p:cNvPr id="32" name="TextBox 31">
@@ -11305,7 +11866,7 @@
               </p:txBody>
             </p:sp>
           </mc:Choice>
-          <mc:Fallback>
+          <mc:Fallback xmlns="">
             <p:sp>
               <p:nvSpPr>
                 <p:cNvPr id="32" name="TextBox 31">
@@ -11350,8 +11911,8 @@
             </p:sp>
           </mc:Fallback>
         </mc:AlternateContent>
-        <mc:AlternateContent xmlns:mc="http://schemas.openxmlformats.org/markup-compatibility/2006">
-          <mc:Choice xmlns:a14="http://schemas.microsoft.com/office/drawing/2010/main" Requires="a14">
+        <mc:AlternateContent xmlns:mc="http://schemas.openxmlformats.org/markup-compatibility/2006" xmlns:a14="http://schemas.microsoft.com/office/drawing/2010/main">
+          <mc:Choice Requires="a14">
             <p:sp>
               <p:nvSpPr>
                 <p:cNvPr id="33" name="TextBox 32">
@@ -11423,7 +11984,7 @@
               </p:txBody>
             </p:sp>
           </mc:Choice>
-          <mc:Fallback>
+          <mc:Fallback xmlns="">
             <p:sp>
               <p:nvSpPr>
                 <p:cNvPr id="33" name="TextBox 32">
@@ -11468,8 +12029,8 @@
             </p:sp>
           </mc:Fallback>
         </mc:AlternateContent>
-        <mc:AlternateContent xmlns:mc="http://schemas.openxmlformats.org/markup-compatibility/2006">
-          <mc:Choice xmlns:a14="http://schemas.microsoft.com/office/drawing/2010/main" Requires="a14">
+        <mc:AlternateContent xmlns:mc="http://schemas.openxmlformats.org/markup-compatibility/2006" xmlns:a14="http://schemas.microsoft.com/office/drawing/2010/main">
+          <mc:Choice Requires="a14">
             <p:sp>
               <p:nvSpPr>
                 <p:cNvPr id="34" name="TextBox 33">
@@ -11541,7 +12102,7 @@
               </p:txBody>
             </p:sp>
           </mc:Choice>
-          <mc:Fallback>
+          <mc:Fallback xmlns="">
             <p:sp>
               <p:nvSpPr>
                 <p:cNvPr id="34" name="TextBox 33">
@@ -11586,8 +12147,8 @@
             </p:sp>
           </mc:Fallback>
         </mc:AlternateContent>
-        <mc:AlternateContent xmlns:mc="http://schemas.openxmlformats.org/markup-compatibility/2006">
-          <mc:Choice xmlns:a14="http://schemas.microsoft.com/office/drawing/2010/main" Requires="a14">
+        <mc:AlternateContent xmlns:mc="http://schemas.openxmlformats.org/markup-compatibility/2006" xmlns:a14="http://schemas.microsoft.com/office/drawing/2010/main">
+          <mc:Choice Requires="a14">
             <p:sp>
               <p:nvSpPr>
                 <p:cNvPr id="35" name="TextBox 34">
@@ -11659,7 +12220,7 @@
               </p:txBody>
             </p:sp>
           </mc:Choice>
-          <mc:Fallback>
+          <mc:Fallback xmlns="">
             <p:sp>
               <p:nvSpPr>
                 <p:cNvPr id="35" name="TextBox 34">
@@ -11704,8 +12265,8 @@
             </p:sp>
           </mc:Fallback>
         </mc:AlternateContent>
-        <mc:AlternateContent xmlns:mc="http://schemas.openxmlformats.org/markup-compatibility/2006">
-          <mc:Choice xmlns:a14="http://schemas.microsoft.com/office/drawing/2010/main" Requires="a14">
+        <mc:AlternateContent xmlns:mc="http://schemas.openxmlformats.org/markup-compatibility/2006" xmlns:a14="http://schemas.microsoft.com/office/drawing/2010/main">
+          <mc:Choice Requires="a14">
             <p:sp>
               <p:nvSpPr>
                 <p:cNvPr id="36" name="TextBox 35">
@@ -11777,7 +12338,7 @@
               </p:txBody>
             </p:sp>
           </mc:Choice>
-          <mc:Fallback>
+          <mc:Fallback xmlns="">
             <p:sp>
               <p:nvSpPr>
                 <p:cNvPr id="36" name="TextBox 35">
@@ -11822,8 +12383,8 @@
             </p:sp>
           </mc:Fallback>
         </mc:AlternateContent>
-        <mc:AlternateContent xmlns:mc="http://schemas.openxmlformats.org/markup-compatibility/2006">
-          <mc:Choice xmlns:a14="http://schemas.microsoft.com/office/drawing/2010/main" Requires="a14">
+        <mc:AlternateContent xmlns:mc="http://schemas.openxmlformats.org/markup-compatibility/2006" xmlns:a14="http://schemas.microsoft.com/office/drawing/2010/main">
+          <mc:Choice Requires="a14">
             <p:sp>
               <p:nvSpPr>
                 <p:cNvPr id="37" name="TextBox 36">
@@ -11895,7 +12456,7 @@
               </p:txBody>
             </p:sp>
           </mc:Choice>
-          <mc:Fallback>
+          <mc:Fallback xmlns="">
             <p:sp>
               <p:nvSpPr>
                 <p:cNvPr id="37" name="TextBox 36">
@@ -11940,8 +12501,8 @@
             </p:sp>
           </mc:Fallback>
         </mc:AlternateContent>
-        <mc:AlternateContent xmlns:mc="http://schemas.openxmlformats.org/markup-compatibility/2006">
-          <mc:Choice xmlns:a14="http://schemas.microsoft.com/office/drawing/2010/main" Requires="a14">
+        <mc:AlternateContent xmlns:mc="http://schemas.openxmlformats.org/markup-compatibility/2006" xmlns:a14="http://schemas.microsoft.com/office/drawing/2010/main">
+          <mc:Choice Requires="a14">
             <p:sp>
               <p:nvSpPr>
                 <p:cNvPr id="38" name="TextBox 37">
@@ -12013,7 +12574,7 @@
               </p:txBody>
             </p:sp>
           </mc:Choice>
-          <mc:Fallback>
+          <mc:Fallback xmlns="">
             <p:sp>
               <p:nvSpPr>
                 <p:cNvPr id="38" name="TextBox 37">
@@ -12189,8 +12750,8 @@
             </a:fontRef>
           </p:style>
         </p:cxnSp>
-        <mc:AlternateContent xmlns:mc="http://schemas.openxmlformats.org/markup-compatibility/2006">
-          <mc:Choice xmlns:a14="http://schemas.microsoft.com/office/drawing/2010/main" Requires="a14">
+        <mc:AlternateContent xmlns:mc="http://schemas.openxmlformats.org/markup-compatibility/2006" xmlns:a14="http://schemas.microsoft.com/office/drawing/2010/main">
+          <mc:Choice Requires="a14">
             <p:sp>
               <p:nvSpPr>
                 <p:cNvPr id="46" name="TextBox 45">
@@ -12248,7 +12809,7 @@
               </p:txBody>
             </p:sp>
           </mc:Choice>
-          <mc:Fallback>
+          <mc:Fallback xmlns="">
             <p:sp>
               <p:nvSpPr>
                 <p:cNvPr id="46" name="TextBox 45">
@@ -12395,8 +12956,8 @@
             </a:fontRef>
           </p:style>
         </p:cxnSp>
-        <mc:AlternateContent xmlns:mc="http://schemas.openxmlformats.org/markup-compatibility/2006">
-          <mc:Choice xmlns:a14="http://schemas.microsoft.com/office/drawing/2010/main" Requires="a14">
+        <mc:AlternateContent xmlns:mc="http://schemas.openxmlformats.org/markup-compatibility/2006" xmlns:a14="http://schemas.microsoft.com/office/drawing/2010/main">
+          <mc:Choice Requires="a14">
             <p:sp>
               <p:nvSpPr>
                 <p:cNvPr id="97" name="TextBox 96">
@@ -12447,7 +13008,7 @@
               </p:txBody>
             </p:sp>
           </mc:Choice>
-          <mc:Fallback>
+          <mc:Fallback xmlns="">
             <p:sp>
               <p:nvSpPr>
                 <p:cNvPr id="97" name="TextBox 96">
@@ -12796,8 +13357,8 @@
             </a:fontRef>
           </p:style>
         </p:cxnSp>
-        <mc:AlternateContent xmlns:mc="http://schemas.openxmlformats.org/markup-compatibility/2006">
-          <mc:Choice xmlns:a14="http://schemas.microsoft.com/office/drawing/2010/main" Requires="a14">
+        <mc:AlternateContent xmlns:mc="http://schemas.openxmlformats.org/markup-compatibility/2006" xmlns:a14="http://schemas.microsoft.com/office/drawing/2010/main">
+          <mc:Choice Requires="a14">
             <p:sp>
               <p:nvSpPr>
                 <p:cNvPr id="69" name="TextBox 68">
@@ -12869,7 +13430,7 @@
               </p:txBody>
             </p:sp>
           </mc:Choice>
-          <mc:Fallback>
+          <mc:Fallback xmlns="">
             <p:sp>
               <p:nvSpPr>
                 <p:cNvPr id="69" name="TextBox 68">
@@ -12914,8 +13475,8 @@
             </p:sp>
           </mc:Fallback>
         </mc:AlternateContent>
-        <mc:AlternateContent xmlns:mc="http://schemas.openxmlformats.org/markup-compatibility/2006">
-          <mc:Choice xmlns:a14="http://schemas.microsoft.com/office/drawing/2010/main" Requires="a14">
+        <mc:AlternateContent xmlns:mc="http://schemas.openxmlformats.org/markup-compatibility/2006" xmlns:a14="http://schemas.microsoft.com/office/drawing/2010/main">
+          <mc:Choice Requires="a14">
             <p:sp>
               <p:nvSpPr>
                 <p:cNvPr id="70" name="TextBox 69">
@@ -12987,7 +13548,7 @@
               </p:txBody>
             </p:sp>
           </mc:Choice>
-          <mc:Fallback>
+          <mc:Fallback xmlns="">
             <p:sp>
               <p:nvSpPr>
                 <p:cNvPr id="70" name="TextBox 69">
@@ -13032,8 +13593,8 @@
             </p:sp>
           </mc:Fallback>
         </mc:AlternateContent>
-        <mc:AlternateContent xmlns:mc="http://schemas.openxmlformats.org/markup-compatibility/2006">
-          <mc:Choice xmlns:a14="http://schemas.microsoft.com/office/drawing/2010/main" Requires="a14">
+        <mc:AlternateContent xmlns:mc="http://schemas.openxmlformats.org/markup-compatibility/2006" xmlns:a14="http://schemas.microsoft.com/office/drawing/2010/main">
+          <mc:Choice Requires="a14">
             <p:sp>
               <p:nvSpPr>
                 <p:cNvPr id="71" name="TextBox 70">
@@ -13105,7 +13666,7 @@
               </p:txBody>
             </p:sp>
           </mc:Choice>
-          <mc:Fallback>
+          <mc:Fallback xmlns="">
             <p:sp>
               <p:nvSpPr>
                 <p:cNvPr id="71" name="TextBox 70">
@@ -13150,8 +13711,8 @@
             </p:sp>
           </mc:Fallback>
         </mc:AlternateContent>
-        <mc:AlternateContent xmlns:mc="http://schemas.openxmlformats.org/markup-compatibility/2006">
-          <mc:Choice xmlns:a14="http://schemas.microsoft.com/office/drawing/2010/main" Requires="a14">
+        <mc:AlternateContent xmlns:mc="http://schemas.openxmlformats.org/markup-compatibility/2006" xmlns:a14="http://schemas.microsoft.com/office/drawing/2010/main">
+          <mc:Choice Requires="a14">
             <p:sp>
               <p:nvSpPr>
                 <p:cNvPr id="72" name="TextBox 71">
@@ -13223,7 +13784,7 @@
               </p:txBody>
             </p:sp>
           </mc:Choice>
-          <mc:Fallback>
+          <mc:Fallback xmlns="">
             <p:sp>
               <p:nvSpPr>
                 <p:cNvPr id="72" name="TextBox 71">
@@ -13268,8 +13829,8 @@
             </p:sp>
           </mc:Fallback>
         </mc:AlternateContent>
-        <mc:AlternateContent xmlns:mc="http://schemas.openxmlformats.org/markup-compatibility/2006">
-          <mc:Choice xmlns:a14="http://schemas.microsoft.com/office/drawing/2010/main" Requires="a14">
+        <mc:AlternateContent xmlns:mc="http://schemas.openxmlformats.org/markup-compatibility/2006" xmlns:a14="http://schemas.microsoft.com/office/drawing/2010/main">
+          <mc:Choice Requires="a14">
             <p:sp>
               <p:nvSpPr>
                 <p:cNvPr id="73" name="TextBox 72">
@@ -13341,7 +13902,7 @@
               </p:txBody>
             </p:sp>
           </mc:Choice>
-          <mc:Fallback>
+          <mc:Fallback xmlns="">
             <p:sp>
               <p:nvSpPr>
                 <p:cNvPr id="73" name="TextBox 72">
@@ -13386,8 +13947,8 @@
             </p:sp>
           </mc:Fallback>
         </mc:AlternateContent>
-        <mc:AlternateContent xmlns:mc="http://schemas.openxmlformats.org/markup-compatibility/2006">
-          <mc:Choice xmlns:a14="http://schemas.microsoft.com/office/drawing/2010/main" Requires="a14">
+        <mc:AlternateContent xmlns:mc="http://schemas.openxmlformats.org/markup-compatibility/2006" xmlns:a14="http://schemas.microsoft.com/office/drawing/2010/main">
+          <mc:Choice Requires="a14">
             <p:sp>
               <p:nvSpPr>
                 <p:cNvPr id="74" name="TextBox 73">
@@ -13459,7 +14020,7 @@
               </p:txBody>
             </p:sp>
           </mc:Choice>
-          <mc:Fallback>
+          <mc:Fallback xmlns="">
             <p:sp>
               <p:nvSpPr>
                 <p:cNvPr id="74" name="TextBox 73">
@@ -13504,8 +14065,8 @@
             </p:sp>
           </mc:Fallback>
         </mc:AlternateContent>
-        <mc:AlternateContent xmlns:mc="http://schemas.openxmlformats.org/markup-compatibility/2006">
-          <mc:Choice xmlns:a14="http://schemas.microsoft.com/office/drawing/2010/main" Requires="a14">
+        <mc:AlternateContent xmlns:mc="http://schemas.openxmlformats.org/markup-compatibility/2006" xmlns:a14="http://schemas.microsoft.com/office/drawing/2010/main">
+          <mc:Choice Requires="a14">
             <p:sp>
               <p:nvSpPr>
                 <p:cNvPr id="75" name="TextBox 74">
@@ -13577,7 +14138,7 @@
               </p:txBody>
             </p:sp>
           </mc:Choice>
-          <mc:Fallback>
+          <mc:Fallback xmlns="">
             <p:sp>
               <p:nvSpPr>
                 <p:cNvPr id="75" name="TextBox 74">
@@ -13622,8 +14183,8 @@
             </p:sp>
           </mc:Fallback>
         </mc:AlternateContent>
-        <mc:AlternateContent xmlns:mc="http://schemas.openxmlformats.org/markup-compatibility/2006">
-          <mc:Choice xmlns:a14="http://schemas.microsoft.com/office/drawing/2010/main" Requires="a14">
+        <mc:AlternateContent xmlns:mc="http://schemas.openxmlformats.org/markup-compatibility/2006" xmlns:a14="http://schemas.microsoft.com/office/drawing/2010/main">
+          <mc:Choice Requires="a14">
             <p:sp>
               <p:nvSpPr>
                 <p:cNvPr id="76" name="TextBox 75">
@@ -13695,7 +14256,7 @@
               </p:txBody>
             </p:sp>
           </mc:Choice>
-          <mc:Fallback>
+          <mc:Fallback xmlns="">
             <p:sp>
               <p:nvSpPr>
                 <p:cNvPr id="76" name="TextBox 75">
@@ -13740,8 +14301,8 @@
             </p:sp>
           </mc:Fallback>
         </mc:AlternateContent>
-        <mc:AlternateContent xmlns:mc="http://schemas.openxmlformats.org/markup-compatibility/2006">
-          <mc:Choice xmlns:a14="http://schemas.microsoft.com/office/drawing/2010/main" Requires="a14">
+        <mc:AlternateContent xmlns:mc="http://schemas.openxmlformats.org/markup-compatibility/2006" xmlns:a14="http://schemas.microsoft.com/office/drawing/2010/main">
+          <mc:Choice Requires="a14">
             <p:sp>
               <p:nvSpPr>
                 <p:cNvPr id="77" name="TextBox 76">
@@ -13813,7 +14374,7 @@
               </p:txBody>
             </p:sp>
           </mc:Choice>
-          <mc:Fallback>
+          <mc:Fallback xmlns="">
             <p:sp>
               <p:nvSpPr>
                 <p:cNvPr id="77" name="TextBox 76">
@@ -13858,8 +14419,8 @@
             </p:sp>
           </mc:Fallback>
         </mc:AlternateContent>
-        <mc:AlternateContent xmlns:mc="http://schemas.openxmlformats.org/markup-compatibility/2006">
-          <mc:Choice xmlns:a14="http://schemas.microsoft.com/office/drawing/2010/main" Requires="a14">
+        <mc:AlternateContent xmlns:mc="http://schemas.openxmlformats.org/markup-compatibility/2006" xmlns:a14="http://schemas.microsoft.com/office/drawing/2010/main">
+          <mc:Choice Requires="a14">
             <p:sp>
               <p:nvSpPr>
                 <p:cNvPr id="78" name="TextBox 77">
@@ -13931,7 +14492,7 @@
               </p:txBody>
             </p:sp>
           </mc:Choice>
-          <mc:Fallback>
+          <mc:Fallback xmlns="">
             <p:sp>
               <p:nvSpPr>
                 <p:cNvPr id="78" name="TextBox 77">
@@ -14472,8 +15033,8 @@
             </a:p>
           </p:txBody>
         </p:sp>
-        <mc:AlternateContent xmlns:mc="http://schemas.openxmlformats.org/markup-compatibility/2006">
-          <mc:Choice xmlns:a14="http://schemas.microsoft.com/office/drawing/2010/main" Requires="a14">
+        <mc:AlternateContent xmlns:mc="http://schemas.openxmlformats.org/markup-compatibility/2006" xmlns:a14="http://schemas.microsoft.com/office/drawing/2010/main">
+          <mc:Choice Requires="a14">
             <p:sp>
               <p:nvSpPr>
                 <p:cNvPr id="94" name="TextBox 93">
@@ -14618,7 +15179,7 @@
               </p:txBody>
             </p:sp>
           </mc:Choice>
-          <mc:Fallback>
+          <mc:Fallback xmlns="">
             <p:sp>
               <p:nvSpPr>
                 <p:cNvPr id="94" name="TextBox 93">
@@ -14705,8 +15266,8 @@
             </a:fontRef>
           </p:style>
         </p:cxnSp>
-        <mc:AlternateContent xmlns:mc="http://schemas.openxmlformats.org/markup-compatibility/2006">
-          <mc:Choice xmlns:a14="http://schemas.microsoft.com/office/drawing/2010/main" Requires="a14">
+        <mc:AlternateContent xmlns:mc="http://schemas.openxmlformats.org/markup-compatibility/2006" xmlns:a14="http://schemas.microsoft.com/office/drawing/2010/main">
+          <mc:Choice Requires="a14">
             <p:sp>
               <p:nvSpPr>
                 <p:cNvPr id="98" name="TextBox 97">
@@ -14757,7 +15318,7 @@
               </p:txBody>
             </p:sp>
           </mc:Choice>
-          <mc:Fallback>
+          <mc:Fallback xmlns="">
             <p:sp>
               <p:nvSpPr>
                 <p:cNvPr id="98" name="TextBox 97">
